--- a/Analysis of Tobacco UsePres.pptx
+++ b/Analysis of Tobacco UsePres.pptx
@@ -217,7 +217,7 @@
           <a:p>
             <a:fld id="{5DFA5FCB-D0C7-49D4-A866-BC692C59D5C4}" type="datetimeFigureOut">
               <a:rPr lang="en-US" smtClean="0"/>
-              <a:t>5/3/2023</a:t>
+              <a:t>5/4/2023</a:t>
             </a:fld>
             <a:endParaRPr lang="en-US"/>
           </a:p>
@@ -1422,7 +1422,7 @@
           <a:p>
             <a:fld id="{1722A405-4DF7-4C86-A78B-B0D4F24B1560}" type="datetimeFigureOut">
               <a:rPr lang="en-US" smtClean="0"/>
-              <a:t>5/3/2023</a:t>
+              <a:t>5/4/2023</a:t>
             </a:fld>
             <a:endParaRPr lang="en-US"/>
           </a:p>
@@ -2510,7 +2510,7 @@
           <a:p>
             <a:fld id="{1722A405-4DF7-4C86-A78B-B0D4F24B1560}" type="datetimeFigureOut">
               <a:rPr lang="en-US" smtClean="0"/>
-              <a:t>5/3/2023</a:t>
+              <a:t>5/4/2023</a:t>
             </a:fld>
             <a:endParaRPr lang="en-US"/>
           </a:p>
@@ -3490,7 +3490,7 @@
           <a:p>
             <a:fld id="{1722A405-4DF7-4C86-A78B-B0D4F24B1560}" type="datetimeFigureOut">
               <a:rPr lang="en-US" smtClean="0"/>
-              <a:t>5/3/2023</a:t>
+              <a:t>5/4/2023</a:t>
             </a:fld>
             <a:endParaRPr lang="en-US"/>
           </a:p>
@@ -4624,7 +4624,7 @@
           <a:p>
             <a:fld id="{1722A405-4DF7-4C86-A78B-B0D4F24B1560}" type="datetimeFigureOut">
               <a:rPr lang="en-US" smtClean="0"/>
-              <a:t>5/3/2023</a:t>
+              <a:t>5/4/2023</a:t>
             </a:fld>
             <a:endParaRPr lang="en-US"/>
           </a:p>
@@ -5657,7 +5657,7 @@
           <a:p>
             <a:fld id="{1722A405-4DF7-4C86-A78B-B0D4F24B1560}" type="datetimeFigureOut">
               <a:rPr lang="en-US" smtClean="0"/>
-              <a:t>5/3/2023</a:t>
+              <a:t>5/4/2023</a:t>
             </a:fld>
             <a:endParaRPr lang="en-US"/>
           </a:p>
@@ -6317,7 +6317,7 @@
           <a:p>
             <a:fld id="{1722A405-4DF7-4C86-A78B-B0D4F24B1560}" type="datetimeFigureOut">
               <a:rPr lang="en-US" smtClean="0"/>
-              <a:t>5/3/2023</a:t>
+              <a:t>5/4/2023</a:t>
             </a:fld>
             <a:endParaRPr lang="en-US"/>
           </a:p>
@@ -7178,7 +7178,7 @@
           <a:p>
             <a:fld id="{1722A405-4DF7-4C86-A78B-B0D4F24B1560}" type="datetimeFigureOut">
               <a:rPr lang="en-US" smtClean="0"/>
-              <a:t>5/3/2023</a:t>
+              <a:t>5/4/2023</a:t>
             </a:fld>
             <a:endParaRPr lang="en-US"/>
           </a:p>
@@ -7368,7 +7368,7 @@
           <a:p>
             <a:fld id="{1722A405-4DF7-4C86-A78B-B0D4F24B1560}" type="datetimeFigureOut">
               <a:rPr lang="en-US" smtClean="0"/>
-              <a:t>5/3/2023</a:t>
+              <a:t>5/4/2023</a:t>
             </a:fld>
             <a:endParaRPr lang="en-US"/>
           </a:p>
@@ -8340,7 +8340,7 @@
           <a:p>
             <a:fld id="{1722A405-4DF7-4C86-A78B-B0D4F24B1560}" type="datetimeFigureOut">
               <a:rPr lang="en-US" smtClean="0"/>
-              <a:t>5/3/2023</a:t>
+              <a:t>5/4/2023</a:t>
             </a:fld>
             <a:endParaRPr lang="en-US"/>
           </a:p>
@@ -10115,7 +10115,7 @@
           <a:p>
             <a:fld id="{1722A405-4DF7-4C86-A78B-B0D4F24B1560}" type="datetimeFigureOut">
               <a:rPr lang="en-US" smtClean="0"/>
-              <a:t>5/3/2023</a:t>
+              <a:t>5/4/2023</a:t>
             </a:fld>
             <a:endParaRPr lang="en-US"/>
           </a:p>
@@ -23758,7 +23758,7 @@
           <a:p>
             <a:fld id="{1722A405-4DF7-4C86-A78B-B0D4F24B1560}" type="datetimeFigureOut">
               <a:rPr lang="en-US" smtClean="0"/>
-              <a:t>5/3/2023</a:t>
+              <a:t>5/4/2023</a:t>
             </a:fld>
             <a:endParaRPr lang="en-US"/>
           </a:p>
@@ -30735,7 +30735,7 @@
           <a:p>
             <a:fld id="{1722A405-4DF7-4C86-A78B-B0D4F24B1560}" type="datetimeFigureOut">
               <a:rPr lang="en-US" smtClean="0"/>
-              <a:t>5/3/2023</a:t>
+              <a:t>5/4/2023</a:t>
             </a:fld>
             <a:endParaRPr lang="en-US"/>
           </a:p>
@@ -31145,7 +31145,7 @@
           <a:p>
             <a:fld id="{1722A405-4DF7-4C86-A78B-B0D4F24B1560}" type="datetimeFigureOut">
               <a:rPr lang="en-US" smtClean="0"/>
-              <a:t>5/3/2023</a:t>
+              <a:t>5/4/2023</a:t>
             </a:fld>
             <a:endParaRPr lang="en-US"/>
           </a:p>
@@ -31272,7 +31272,7 @@
           <a:p>
             <a:fld id="{1722A405-4DF7-4C86-A78B-B0D4F24B1560}" type="datetimeFigureOut">
               <a:rPr lang="en-US" smtClean="0"/>
-              <a:t>5/3/2023</a:t>
+              <a:t>5/4/2023</a:t>
             </a:fld>
             <a:endParaRPr lang="en-US"/>
           </a:p>
@@ -31367,7 +31367,7 @@
           <a:p>
             <a:fld id="{1722A405-4DF7-4C86-A78B-B0D4F24B1560}" type="datetimeFigureOut">
               <a:rPr lang="en-US" smtClean="0"/>
-              <a:t>5/3/2023</a:t>
+              <a:t>5/4/2023</a:t>
             </a:fld>
             <a:endParaRPr lang="en-US"/>
           </a:p>
@@ -32448,7 +32448,7 @@
           <a:p>
             <a:fld id="{1722A405-4DF7-4C86-A78B-B0D4F24B1560}" type="datetimeFigureOut">
               <a:rPr lang="en-US" smtClean="0"/>
-              <a:t>5/3/2023</a:t>
+              <a:t>5/4/2023</a:t>
             </a:fld>
             <a:endParaRPr lang="en-US"/>
           </a:p>
@@ -33556,7 +33556,7 @@
           <a:p>
             <a:fld id="{1722A405-4DF7-4C86-A78B-B0D4F24B1560}" type="datetimeFigureOut">
               <a:rPr lang="en-US" smtClean="0"/>
-              <a:t>5/3/2023</a:t>
+              <a:t>5/4/2023</a:t>
             </a:fld>
             <a:endParaRPr lang="en-US"/>
           </a:p>
@@ -34553,7 +34553,7 @@
           <a:p>
             <a:fld id="{1722A405-4DF7-4C86-A78B-B0D4F24B1560}" type="datetimeFigureOut">
               <a:rPr lang="en-US" smtClean="0"/>
-              <a:t>5/3/2023</a:t>
+              <a:t>5/4/2023</a:t>
             </a:fld>
             <a:endParaRPr lang="en-US"/>
           </a:p>
@@ -37783,7 +37783,7 @@
         <p:spPr>
           <a:xfrm>
             <a:off x="1154954" y="5647764"/>
-            <a:ext cx="1513556" cy="369332"/>
+            <a:ext cx="6264857" cy="369332"/>
           </a:xfrm>
           <a:prstGeom prst="rect">
             <a:avLst/>
@@ -37814,6 +37814,23 @@
               <a:defRPr/>
             </a:pPr>
             <a:r>
+              <a:rPr kumimoji="0" lang="en-US" sz="1800" b="0" i="0" u="none" strike="noStrike" kern="1200" cap="none" spc="0" normalizeH="0" baseline="0" noProof="0" dirty="0" err="1">
+                <a:ln>
+                  <a:noFill/>
+                </a:ln>
+                <a:solidFill>
+                  <a:prstClr val="white"/>
+                </a:solidFill>
+                <a:effectLst/>
+                <a:uLnTx/>
+                <a:uFillTx/>
+                <a:latin typeface="Century Gothic" panose="020B0502020202020204"/>
+                <a:ea typeface="+mn-ea"/>
+                <a:cs typeface="+mn-cs"/>
+              </a:rPr>
+              <a:t>Zalak</a:t>
+            </a:r>
+            <a:r>
               <a:rPr kumimoji="0" lang="en-US" sz="1800" b="0" i="0" u="none" strike="noStrike" kern="1200" cap="none" spc="0" normalizeH="0" baseline="0" noProof="0" dirty="0">
                 <a:ln>
                   <a:noFill/>
@@ -37828,8 +37845,73 @@
                 <a:ea typeface="+mn-ea"/>
                 <a:cs typeface="+mn-cs"/>
               </a:rPr>
-              <a:t>Zalak Gajjar</a:t>
+              <a:t> </a:t>
             </a:r>
+            <a:r>
+              <a:rPr kumimoji="0" lang="en-US" sz="1800" b="0" i="0" u="none" strike="noStrike" kern="1200" cap="none" spc="0" normalizeH="0" baseline="0" noProof="0" dirty="0" err="1">
+                <a:ln>
+                  <a:noFill/>
+                </a:ln>
+                <a:solidFill>
+                  <a:prstClr val="white"/>
+                </a:solidFill>
+                <a:effectLst/>
+                <a:uLnTx/>
+                <a:uFillTx/>
+                <a:latin typeface="Century Gothic" panose="020B0502020202020204"/>
+                <a:ea typeface="+mn-ea"/>
+                <a:cs typeface="+mn-cs"/>
+              </a:rPr>
+              <a:t>Gajjar</a:t>
+            </a:r>
+            <a:r>
+              <a:rPr kumimoji="0" lang="en-US" sz="1800" b="0" i="0" u="none" strike="noStrike" kern="1200" cap="none" spc="0" normalizeH="0" baseline="0" noProof="0" dirty="0">
+                <a:ln>
+                  <a:noFill/>
+                </a:ln>
+                <a:solidFill>
+                  <a:prstClr val="white"/>
+                </a:solidFill>
+                <a:effectLst/>
+                <a:uLnTx/>
+                <a:uFillTx/>
+                <a:latin typeface="Century Gothic" panose="020B0502020202020204"/>
+                <a:ea typeface="+mn-ea"/>
+                <a:cs typeface="+mn-cs"/>
+              </a:rPr>
+              <a:t>, Nick Miller</a:t>
+            </a:r>
+            <a:r>
+              <a:rPr kumimoji="0" lang="en-US" sz="1800" b="0" i="0" u="none" strike="noStrike" kern="1200" cap="none" spc="0" normalizeH="0" baseline="0" noProof="0">
+                <a:ln>
+                  <a:noFill/>
+                </a:ln>
+                <a:solidFill>
+                  <a:prstClr val="white"/>
+                </a:solidFill>
+                <a:effectLst/>
+                <a:uLnTx/>
+                <a:uFillTx/>
+                <a:latin typeface="Century Gothic" panose="020B0502020202020204"/>
+                <a:ea typeface="+mn-ea"/>
+                <a:cs typeface="+mn-cs"/>
+              </a:rPr>
+              <a:t>, Summer Harik and Anna Reed</a:t>
+            </a:r>
+            <a:endParaRPr kumimoji="0" lang="en-US" sz="1800" b="0" i="0" u="none" strike="noStrike" kern="1200" cap="none" spc="0" normalizeH="0" baseline="0" noProof="0" dirty="0">
+              <a:ln>
+                <a:noFill/>
+              </a:ln>
+              <a:solidFill>
+                <a:prstClr val="white"/>
+              </a:solidFill>
+              <a:effectLst/>
+              <a:uLnTx/>
+              <a:uFillTx/>
+              <a:latin typeface="Century Gothic" panose="020B0502020202020204"/>
+              <a:ea typeface="+mn-ea"/>
+              <a:cs typeface="+mn-cs"/>
+            </a:endParaRPr>
           </a:p>
         </p:txBody>
       </p:sp>

--- a/Analysis of Tobacco UsePres.pptx
+++ b/Analysis of Tobacco UsePres.pptx
@@ -39999,8 +39999,8 @@
         </p:blipFill>
         <p:spPr bwMode="auto">
           <a:xfrm>
-            <a:off x="478573" y="2132427"/>
-            <a:ext cx="5728745" cy="4266115"/>
+            <a:off x="495300" y="2150703"/>
+            <a:ext cx="5617427" cy="4266115"/>
           </a:xfrm>
           <a:prstGeom prst="rect">
             <a:avLst/>
@@ -40017,120 +40017,6 @@
           </a:extLst>
         </p:spPr>
       </p:pic>
-      <p:sp>
-        <p:nvSpPr>
-          <p:cNvPr id="2" name="Rectangle 10">
-            <a:extLst>
-              <a:ext uri="{FF2B5EF4-FFF2-40B4-BE49-F238E27FC236}">
-                <a16:creationId xmlns:a16="http://schemas.microsoft.com/office/drawing/2014/main" id="{C4084CAF-97D3-A517-B55E-F7F186462F1C}"/>
-              </a:ext>
-            </a:extLst>
-          </p:cNvPr>
-          <p:cNvSpPr>
-            <a:spLocks noChangeArrowheads="1"/>
-          </p:cNvSpPr>
-          <p:nvPr/>
-        </p:nvSpPr>
-        <p:spPr bwMode="auto">
-          <a:xfrm rot="10800000" flipV="1">
-            <a:off x="512570" y="6028152"/>
-            <a:ext cx="5324087" cy="307777"/>
-          </a:xfrm>
-          <a:prstGeom prst="rect">
-            <a:avLst/>
-          </a:prstGeom>
-          <a:solidFill>
-            <a:srgbClr val="FFFFFF"/>
-          </a:solidFill>
-          <a:ln>
-            <a:noFill/>
-          </a:ln>
-          <a:effectLst/>
-          <a:extLst>
-            <a:ext uri="{91240B29-F687-4F45-9708-019B960494DF}">
-              <a14:hiddenLine xmlns:a14="http://schemas.microsoft.com/office/drawing/2010/main" w="9525">
-                <a:solidFill>
-                  <a:schemeClr val="tx1"/>
-                </a:solidFill>
-                <a:miter lim="800000"/>
-                <a:headEnd/>
-                <a:tailEnd/>
-              </a14:hiddenLine>
-            </a:ext>
-            <a:ext uri="{AF507438-7753-43E0-B8FC-AC1667EBCBE1}">
-              <a14:hiddenEffects xmlns:a14="http://schemas.microsoft.com/office/drawing/2010/main">
-                <a:effectLst>
-                  <a:outerShdw dist="35921" dir="2700000" algn="ctr" rotWithShape="0">
-                    <a:schemeClr val="bg2"/>
-                  </a:outerShdw>
-                </a:effectLst>
-              </a14:hiddenEffects>
-            </a:ext>
-          </a:extLst>
-        </p:spPr>
-        <p:txBody>
-          <a:bodyPr vert="horz" wrap="square" lIns="0" tIns="0" rIns="0" bIns="0" numCol="1" anchor="ctr" anchorCtr="0" compatLnSpc="1">
-            <a:prstTxWarp prst="textNoShape">
-              <a:avLst/>
-            </a:prstTxWarp>
-            <a:spAutoFit/>
-          </a:bodyPr>
-          <a:lstStyle/>
-          <a:p>
-            <a:pPr marL="0" marR="0" lvl="0" indent="0" algn="l" defTabSz="914400" rtl="0" eaLnBrk="0" fontAlgn="base" latinLnBrk="0" hangingPunct="0">
-              <a:lnSpc>
-                <a:spcPct val="100000"/>
-              </a:lnSpc>
-              <a:spcBef>
-                <a:spcPct val="0"/>
-              </a:spcBef>
-              <a:spcAft>
-                <a:spcPct val="0"/>
-              </a:spcAft>
-              <a:buClrTx/>
-              <a:buSzTx/>
-              <a:buFontTx/>
-              <a:buNone/>
-              <a:tabLst/>
-            </a:pPr>
-            <a:r>
-              <a:rPr kumimoji="0" lang="en-US" altLang="en-US" sz="1000" b="0" i="0" u="none" strike="noStrike" cap="none" normalizeH="0" baseline="0" dirty="0">
-                <a:ln>
-                  <a:noFill/>
-                </a:ln>
-                <a:solidFill>
-                  <a:srgbClr val="000000"/>
-                </a:solidFill>
-                <a:effectLst/>
-                <a:latin typeface="Courier New" panose="02070309020205020404" pitchFamily="49" charset="0"/>
-              </a:rPr>
-              <a:t>Cigarette Use (Adults) 8613 Smokeless Tobacco Use (Adults) 7179 Cessation (Adults) 2880 E-Cigarette Use (Adults) 2511</a:t>
-            </a:r>
-            <a:r>
-              <a:rPr kumimoji="0" lang="en-US" altLang="en-US" sz="900" b="0" i="0" u="none" strike="noStrike" cap="none" normalizeH="0" baseline="0" dirty="0">
-                <a:ln>
-                  <a:noFill/>
-                </a:ln>
-                <a:solidFill>
-                  <a:schemeClr val="tx1"/>
-                </a:solidFill>
-                <a:effectLst/>
-              </a:rPr>
-              <a:t> </a:t>
-            </a:r>
-            <a:endParaRPr kumimoji="0" lang="en-US" altLang="en-US" sz="1800" b="0" i="0" u="none" strike="noStrike" cap="none" normalizeH="0" baseline="0" dirty="0">
-              <a:ln>
-                <a:noFill/>
-              </a:ln>
-              <a:solidFill>
-                <a:schemeClr val="tx1"/>
-              </a:solidFill>
-              <a:effectLst/>
-              <a:latin typeface="Arial" panose="020B0604020202020204" pitchFamily="34" charset="0"/>
-            </a:endParaRPr>
-          </a:p>
-        </p:txBody>
-      </p:sp>
       <p:pic>
         <p:nvPicPr>
           <p:cNvPr id="1028" name="Picture 4">
@@ -40280,6 +40166,234 @@
               <a:t> </a:t>
             </a:r>
             <a:endParaRPr kumimoji="0" lang="en-US" altLang="en-US" sz="1800" b="0" i="0" u="none" strike="noStrike" cap="none" normalizeH="0" baseline="0" dirty="0">
+              <a:ln>
+                <a:noFill/>
+              </a:ln>
+              <a:solidFill>
+                <a:schemeClr val="tx1"/>
+              </a:solidFill>
+              <a:effectLst/>
+              <a:latin typeface="Arial" panose="020B0604020202020204" pitchFamily="34" charset="0"/>
+            </a:endParaRPr>
+          </a:p>
+        </p:txBody>
+      </p:sp>
+      <p:sp>
+        <p:nvSpPr>
+          <p:cNvPr id="5" name="Rectangle 1">
+            <a:extLst>
+              <a:ext uri="{FF2B5EF4-FFF2-40B4-BE49-F238E27FC236}">
+                <a16:creationId xmlns:a16="http://schemas.microsoft.com/office/drawing/2014/main" id="{CADFCF22-6A68-44BC-76F4-2BF37364A7BF}"/>
+              </a:ext>
+            </a:extLst>
+          </p:cNvPr>
+          <p:cNvSpPr>
+            <a:spLocks noChangeArrowheads="1"/>
+          </p:cNvSpPr>
+          <p:nvPr/>
+        </p:nvSpPr>
+        <p:spPr bwMode="auto">
+          <a:xfrm>
+            <a:off x="478573" y="6262930"/>
+            <a:ext cx="5263493" cy="153888"/>
+          </a:xfrm>
+          <a:prstGeom prst="rect">
+            <a:avLst/>
+          </a:prstGeom>
+          <a:solidFill>
+            <a:srgbClr val="FFFFFF"/>
+          </a:solidFill>
+          <a:ln>
+            <a:noFill/>
+          </a:ln>
+          <a:effectLst/>
+          <a:extLst>
+            <a:ext uri="{91240B29-F687-4F45-9708-019B960494DF}">
+              <a14:hiddenLine xmlns:a14="http://schemas.microsoft.com/office/drawing/2010/main" w="9525">
+                <a:solidFill>
+                  <a:schemeClr val="tx1"/>
+                </a:solidFill>
+                <a:miter lim="800000"/>
+                <a:headEnd/>
+                <a:tailEnd/>
+              </a14:hiddenLine>
+            </a:ext>
+            <a:ext uri="{AF507438-7753-43E0-B8FC-AC1667EBCBE1}">
+              <a14:hiddenEffects xmlns:a14="http://schemas.microsoft.com/office/drawing/2010/main">
+                <a:effectLst>
+                  <a:outerShdw dist="35921" dir="2700000" algn="ctr" rotWithShape="0">
+                    <a:schemeClr val="bg2"/>
+                  </a:outerShdw>
+                </a:effectLst>
+              </a14:hiddenEffects>
+            </a:ext>
+          </a:extLst>
+        </p:spPr>
+        <p:txBody>
+          <a:bodyPr vert="horz" wrap="square" lIns="0" tIns="0" rIns="0" bIns="0" numCol="1" anchor="ctr" anchorCtr="0" compatLnSpc="1">
+            <a:prstTxWarp prst="textNoShape">
+              <a:avLst/>
+            </a:prstTxWarp>
+            <a:spAutoFit/>
+          </a:bodyPr>
+          <a:lstStyle/>
+          <a:p>
+            <a:pPr marL="0" marR="0" lvl="0" indent="0" algn="l" defTabSz="914400" rtl="0" eaLnBrk="0" fontAlgn="base" latinLnBrk="0" hangingPunct="0">
+              <a:lnSpc>
+                <a:spcPct val="100000"/>
+              </a:lnSpc>
+              <a:spcBef>
+                <a:spcPct val="0"/>
+              </a:spcBef>
+              <a:spcAft>
+                <a:spcPct val="0"/>
+              </a:spcAft>
+              <a:buClrTx/>
+              <a:buSzTx/>
+              <a:buFontTx/>
+              <a:buNone/>
+              <a:tabLst/>
+            </a:pPr>
+            <a:r>
+              <a:rPr kumimoji="0" lang="en-US" altLang="en-US" sz="1000" b="0" i="0" u="none" strike="noStrike" cap="none" normalizeH="0" baseline="0" dirty="0">
+                <a:ln>
+                  <a:noFill/>
+                </a:ln>
+                <a:solidFill>
+                  <a:srgbClr val="000000"/>
+                </a:solidFill>
+                <a:effectLst/>
+                <a:latin typeface="Courier New" panose="02070309020205020404" pitchFamily="49" charset="0"/>
+              </a:rPr>
+              <a:t>E-Cigarette Use (Adults) 2511</a:t>
+            </a:r>
+            <a:r>
+              <a:rPr kumimoji="0" lang="en-US" altLang="en-US" sz="900" b="0" i="0" u="none" strike="noStrike" cap="none" normalizeH="0" baseline="0" dirty="0">
+                <a:ln>
+                  <a:noFill/>
+                </a:ln>
+                <a:solidFill>
+                  <a:schemeClr val="tx1"/>
+                </a:solidFill>
+                <a:effectLst/>
+              </a:rPr>
+              <a:t> </a:t>
+            </a:r>
+            <a:endParaRPr kumimoji="0" lang="en-US" altLang="en-US" sz="1800" b="0" i="0" u="none" strike="noStrike" cap="none" normalizeH="0" baseline="0" dirty="0">
+              <a:ln>
+                <a:noFill/>
+              </a:ln>
+              <a:solidFill>
+                <a:schemeClr val="tx1"/>
+              </a:solidFill>
+              <a:effectLst/>
+              <a:latin typeface="Arial" panose="020B0604020202020204" pitchFamily="34" charset="0"/>
+            </a:endParaRPr>
+          </a:p>
+        </p:txBody>
+      </p:sp>
+      <p:sp>
+        <p:nvSpPr>
+          <p:cNvPr id="7" name="Rectangle 3">
+            <a:extLst>
+              <a:ext uri="{FF2B5EF4-FFF2-40B4-BE49-F238E27FC236}">
+                <a16:creationId xmlns:a16="http://schemas.microsoft.com/office/drawing/2014/main" id="{92DA6AB8-2A24-1A00-C90C-4F9B57CF7E72}"/>
+              </a:ext>
+            </a:extLst>
+          </p:cNvPr>
+          <p:cNvSpPr>
+            <a:spLocks noChangeArrowheads="1"/>
+          </p:cNvSpPr>
+          <p:nvPr/>
+        </p:nvSpPr>
+        <p:spPr bwMode="auto">
+          <a:xfrm>
+            <a:off x="478573" y="6096857"/>
+            <a:ext cx="4906537" cy="153888"/>
+          </a:xfrm>
+          <a:prstGeom prst="rect">
+            <a:avLst/>
+          </a:prstGeom>
+          <a:solidFill>
+            <a:srgbClr val="FFFFFF"/>
+          </a:solidFill>
+          <a:ln>
+            <a:noFill/>
+          </a:ln>
+          <a:effectLst/>
+          <a:extLst>
+            <a:ext uri="{91240B29-F687-4F45-9708-019B960494DF}">
+              <a14:hiddenLine xmlns:a14="http://schemas.microsoft.com/office/drawing/2010/main" w="9525">
+                <a:solidFill>
+                  <a:schemeClr val="tx1"/>
+                </a:solidFill>
+                <a:miter lim="800000"/>
+                <a:headEnd/>
+                <a:tailEnd/>
+              </a14:hiddenLine>
+            </a:ext>
+            <a:ext uri="{AF507438-7753-43E0-B8FC-AC1667EBCBE1}">
+              <a14:hiddenEffects xmlns:a14="http://schemas.microsoft.com/office/drawing/2010/main">
+                <a:effectLst>
+                  <a:outerShdw dist="35921" dir="2700000" algn="ctr" rotWithShape="0">
+                    <a:schemeClr val="bg2"/>
+                  </a:outerShdw>
+                </a:effectLst>
+              </a14:hiddenEffects>
+            </a:ext>
+          </a:extLst>
+        </p:spPr>
+        <p:txBody>
+          <a:bodyPr vert="horz" wrap="square" lIns="0" tIns="0" rIns="0" bIns="0" numCol="1" anchor="ctr" anchorCtr="0" compatLnSpc="1">
+            <a:prstTxWarp prst="textNoShape">
+              <a:avLst/>
+            </a:prstTxWarp>
+            <a:spAutoFit/>
+          </a:bodyPr>
+          <a:lstStyle/>
+          <a:p>
+            <a:pPr marL="0" marR="0" lvl="0" indent="0" algn="l" defTabSz="914400" rtl="0" eaLnBrk="0" fontAlgn="base" latinLnBrk="0" hangingPunct="0">
+              <a:lnSpc>
+                <a:spcPct val="100000"/>
+              </a:lnSpc>
+              <a:spcBef>
+                <a:spcPct val="0"/>
+              </a:spcBef>
+              <a:spcAft>
+                <a:spcPct val="0"/>
+              </a:spcAft>
+              <a:buClrTx/>
+              <a:buSzTx/>
+              <a:buFontTx/>
+              <a:buNone/>
+              <a:tabLst/>
+            </a:pPr>
+            <a:r>
+              <a:rPr kumimoji="0" lang="en-US" altLang="en-US" sz="1000" b="0" i="0" u="none" strike="noStrike" cap="none" normalizeH="0" baseline="0">
+                <a:ln>
+                  <a:noFill/>
+                </a:ln>
+                <a:solidFill>
+                  <a:srgbClr val="000000"/>
+                </a:solidFill>
+                <a:effectLst/>
+                <a:latin typeface="Courier New" panose="02070309020205020404" pitchFamily="49" charset="0"/>
+              </a:rPr>
+              <a:t>Cigarette Use (Adults) 8613 Smokeless Tobacco Use (Adults) 7179</a:t>
+            </a:r>
+            <a:r>
+              <a:rPr kumimoji="0" lang="en-US" altLang="en-US" sz="900" b="0" i="0" u="none" strike="noStrike" cap="none" normalizeH="0" baseline="0">
+                <a:ln>
+                  <a:noFill/>
+                </a:ln>
+                <a:solidFill>
+                  <a:schemeClr val="tx1"/>
+                </a:solidFill>
+                <a:effectLst/>
+              </a:rPr>
+              <a:t> </a:t>
+            </a:r>
+            <a:endParaRPr kumimoji="0" lang="en-US" altLang="en-US" sz="1800" b="0" i="0" u="none" strike="noStrike" cap="none" normalizeH="0" baseline="0">
               <a:ln>
                 <a:noFill/>
               </a:ln>

--- a/Analysis of Tobacco UsePres.pptx
+++ b/Analysis of Tobacco UsePres.pptx
@@ -6,21 +6,22 @@
     <p:sldMasterId id="2147483678" r:id="rId2"/>
   </p:sldMasterIdLst>
   <p:notesMasterIdLst>
-    <p:notesMasterId r:id="rId15"/>
+    <p:notesMasterId r:id="rId16"/>
   </p:notesMasterIdLst>
   <p:sldIdLst>
     <p:sldId id="260" r:id="rId3"/>
     <p:sldId id="268" r:id="rId4"/>
     <p:sldId id="256" r:id="rId5"/>
     <p:sldId id="257" r:id="rId6"/>
-    <p:sldId id="262" r:id="rId7"/>
-    <p:sldId id="263" r:id="rId8"/>
-    <p:sldId id="269" r:id="rId9"/>
-    <p:sldId id="270" r:id="rId10"/>
-    <p:sldId id="265" r:id="rId11"/>
-    <p:sldId id="266" r:id="rId12"/>
-    <p:sldId id="267" r:id="rId13"/>
-    <p:sldId id="264" r:id="rId14"/>
+    <p:sldId id="271" r:id="rId7"/>
+    <p:sldId id="272" r:id="rId8"/>
+    <p:sldId id="258" r:id="rId9"/>
+    <p:sldId id="269" r:id="rId10"/>
+    <p:sldId id="270" r:id="rId11"/>
+    <p:sldId id="265" r:id="rId12"/>
+    <p:sldId id="266" r:id="rId13"/>
+    <p:sldId id="267" r:id="rId14"/>
+    <p:sldId id="264" r:id="rId15"/>
   </p:sldIdLst>
   <p:sldSz cx="12192000" cy="6858000"/>
   <p:notesSz cx="6858000" cy="9144000"/>
@@ -125,14 +126,6 @@
     </p:ext>
   </p:extLst>
 </p:presentation>
-</file>
-
-<file path=ppt/revisionInfo.xml><?xml version="1.0" encoding="utf-8"?>
-<p1510:revInfo xmlns:a="http://schemas.openxmlformats.org/drawingml/2006/main" xmlns:r="http://schemas.openxmlformats.org/officeDocument/2006/relationships" xmlns:p1510="http://schemas.microsoft.com/office/powerpoint/2015/10/main">
-  <p1510:revLst>
-    <p1510:client id="{3DF92689-019B-4549-8083-7D995711BD96}" v="12" dt="2023-05-03T23:55:29.079"/>
-  </p1510:revLst>
-</p1510:revInfo>
 </file>
 
 <file path=ppt/notesMasters/notesMaster1.xml><?xml version="1.0" encoding="utf-8"?>
@@ -503,7 +496,7 @@
       </p:grpSpPr>
       <p:sp>
         <p:nvSpPr>
-          <p:cNvPr id="250" name="Google Shape;250;g23e358829a8_0_6:notes"/>
+          <p:cNvPr id="250" name="Google Shape;250;g23e358829a8_0_32:notes"/>
           <p:cNvSpPr>
             <a:spLocks noGrp="1" noRot="1" noChangeAspect="1"/>
           </p:cNvSpPr>
@@ -544,7 +537,7 @@
       </p:sp>
       <p:sp>
         <p:nvSpPr>
-          <p:cNvPr id="251" name="Google Shape;251;g23e358829a8_0_6:notes"/>
+          <p:cNvPr id="251" name="Google Shape;251;g23e358829a8_0_32:notes"/>
           <p:cNvSpPr txBox="1">
             <a:spLocks noGrp="1"/>
           </p:cNvSpPr>
@@ -582,7 +575,7 @@
       </p:sp>
       <p:sp>
         <p:nvSpPr>
-          <p:cNvPr id="252" name="Google Shape;252;g23e358829a8_0_6:notes"/>
+          <p:cNvPr id="252" name="Google Shape;252;g23e358829a8_0_32:notes"/>
           <p:cNvSpPr txBox="1">
             <a:spLocks noGrp="1"/>
           </p:cNvSpPr>
@@ -690,7 +683,7 @@
   <p:cSld>
     <p:spTree>
       <p:nvGrpSpPr>
-        <p:cNvPr id="1" name="Shape 258"/>
+        <p:cNvPr id="1" name="Shape 257"/>
         <p:cNvGrpSpPr/>
         <p:nvPr/>
       </p:nvGrpSpPr>
@@ -704,7 +697,7 @@
       </p:grpSpPr>
       <p:sp>
         <p:nvSpPr>
-          <p:cNvPr id="259" name="Google Shape;259;g23e358829a8_0_16:notes"/>
+          <p:cNvPr id="258" name="Google Shape;258;g23e358829a8_0_6:notes"/>
           <p:cNvSpPr>
             <a:spLocks noGrp="1" noRot="1" noChangeAspect="1"/>
           </p:cNvSpPr>
@@ -745,7 +738,7 @@
       </p:sp>
       <p:sp>
         <p:nvSpPr>
-          <p:cNvPr id="260" name="Google Shape;260;g23e358829a8_0_16:notes"/>
+          <p:cNvPr id="259" name="Google Shape;259;g23e358829a8_0_6:notes"/>
           <p:cNvSpPr txBox="1">
             <a:spLocks noGrp="1"/>
           </p:cNvSpPr>
@@ -783,7 +776,7 @@
       </p:sp>
       <p:sp>
         <p:nvSpPr>
-          <p:cNvPr id="261" name="Google Shape;261;g23e358829a8_0_16:notes"/>
+          <p:cNvPr id="260" name="Google Shape;260;g23e358829a8_0_6:notes"/>
           <p:cNvSpPr txBox="1">
             <a:spLocks noGrp="1"/>
           </p:cNvSpPr>
@@ -887,6 +880,207 @@
 </file>
 
 <file path=ppt/notesSlides/notesSlide3.xml><?xml version="1.0" encoding="utf-8"?>
+<p:notes xmlns:a="http://schemas.openxmlformats.org/drawingml/2006/main" xmlns:r="http://schemas.openxmlformats.org/officeDocument/2006/relationships" xmlns:p="http://schemas.openxmlformats.org/presentationml/2006/main" showMasterSp="0" showMasterPhAnim="0">
+  <p:cSld>
+    <p:spTree>
+      <p:nvGrpSpPr>
+        <p:cNvPr id="1" name="Shape 265"/>
+        <p:cNvGrpSpPr/>
+        <p:nvPr/>
+      </p:nvGrpSpPr>
+      <p:grpSpPr>
+        <a:xfrm>
+          <a:off x="0" y="0"/>
+          <a:ext cx="0" cy="0"/>
+          <a:chOff x="0" y="0"/>
+          <a:chExt cx="0" cy="0"/>
+        </a:xfrm>
+      </p:grpSpPr>
+      <p:sp>
+        <p:nvSpPr>
+          <p:cNvPr id="266" name="Google Shape;266;g23e358829a8_0_40:notes"/>
+          <p:cNvSpPr>
+            <a:spLocks noGrp="1" noRot="1" noChangeAspect="1"/>
+          </p:cNvSpPr>
+          <p:nvPr>
+            <p:ph type="sldImg" idx="2"/>
+          </p:nvPr>
+        </p:nvSpPr>
+        <p:spPr>
+          <a:xfrm>
+            <a:off x="685800" y="1143000"/>
+            <a:ext cx="5486400" cy="3086100"/>
+          </a:xfrm>
+          <a:custGeom>
+            <a:avLst/>
+            <a:gdLst/>
+            <a:ahLst/>
+            <a:cxnLst/>
+            <a:rect l="l" t="t" r="r" b="b"/>
+            <a:pathLst>
+              <a:path w="120000" h="120000" extrusionOk="0">
+                <a:moveTo>
+                  <a:pt x="0" y="0"/>
+                </a:moveTo>
+                <a:lnTo>
+                  <a:pt x="120000" y="0"/>
+                </a:lnTo>
+                <a:lnTo>
+                  <a:pt x="120000" y="120000"/>
+                </a:lnTo>
+                <a:lnTo>
+                  <a:pt x="0" y="120000"/>
+                </a:lnTo>
+                <a:close/>
+              </a:path>
+            </a:pathLst>
+          </a:custGeom>
+        </p:spPr>
+      </p:sp>
+      <p:sp>
+        <p:nvSpPr>
+          <p:cNvPr id="267" name="Google Shape;267;g23e358829a8_0_40:notes"/>
+          <p:cNvSpPr txBox="1">
+            <a:spLocks noGrp="1"/>
+          </p:cNvSpPr>
+          <p:nvPr>
+            <p:ph type="body" idx="1"/>
+          </p:nvPr>
+        </p:nvSpPr>
+        <p:spPr>
+          <a:xfrm>
+            <a:off x="685800" y="4400550"/>
+            <a:ext cx="5486400" cy="3600600"/>
+          </a:xfrm>
+          <a:prstGeom prst="rect">
+            <a:avLst/>
+          </a:prstGeom>
+        </p:spPr>
+        <p:txBody>
+          <a:bodyPr spcFirstLastPara="1" wrap="square" lIns="91425" tIns="45700" rIns="91425" bIns="45700" anchor="t" anchorCtr="0">
+            <a:noAutofit/>
+          </a:bodyPr>
+          <a:lstStyle/>
+          <a:p>
+            <a:pPr marL="0" lvl="0" indent="0" algn="l" rtl="0">
+              <a:spcBef>
+                <a:spcPts val="0"/>
+              </a:spcBef>
+              <a:spcAft>
+                <a:spcPts val="0"/>
+              </a:spcAft>
+              <a:buNone/>
+            </a:pPr>
+            <a:endParaRPr/>
+          </a:p>
+        </p:txBody>
+      </p:sp>
+      <p:sp>
+        <p:nvSpPr>
+          <p:cNvPr id="268" name="Google Shape;268;g23e358829a8_0_40:notes"/>
+          <p:cNvSpPr txBox="1">
+            <a:spLocks noGrp="1"/>
+          </p:cNvSpPr>
+          <p:nvPr>
+            <p:ph type="sldNum" idx="12"/>
+          </p:nvPr>
+        </p:nvSpPr>
+        <p:spPr>
+          <a:xfrm>
+            <a:off x="3884613" y="8685213"/>
+            <a:ext cx="2971800" cy="458700"/>
+          </a:xfrm>
+          <a:prstGeom prst="rect">
+            <a:avLst/>
+          </a:prstGeom>
+        </p:spPr>
+        <p:txBody>
+          <a:bodyPr spcFirstLastPara="1" wrap="square" lIns="91425" tIns="45700" rIns="91425" bIns="45700" anchor="b" anchorCtr="0">
+            <a:noAutofit/>
+          </a:bodyPr>
+          <a:lstStyle/>
+          <a:p>
+            <a:pPr marL="0" marR="0" lvl="0" indent="0" algn="r" defTabSz="914400" rtl="0" eaLnBrk="1" fontAlgn="auto" latinLnBrk="0" hangingPunct="1">
+              <a:lnSpc>
+                <a:spcPct val="100000"/>
+              </a:lnSpc>
+              <a:spcBef>
+                <a:spcPts val="0"/>
+              </a:spcBef>
+              <a:spcAft>
+                <a:spcPts val="0"/>
+              </a:spcAft>
+              <a:buClr>
+                <a:srgbClr val="000000"/>
+              </a:buClr>
+              <a:buSzTx/>
+              <a:buFont typeface="Arial"/>
+              <a:buNone/>
+              <a:tabLst/>
+              <a:defRPr/>
+            </a:pPr>
+            <a:fld id="{00000000-1234-1234-1234-123412341234}" type="slidenum">
+              <a:rPr kumimoji="0" lang="en-US" sz="1400" b="0" i="0" u="none" strike="noStrike" kern="0" cap="none" spc="0" normalizeH="0" baseline="0" noProof="0">
+                <a:ln>
+                  <a:noFill/>
+                </a:ln>
+                <a:solidFill>
+                  <a:srgbClr val="000000"/>
+                </a:solidFill>
+                <a:effectLst/>
+                <a:uLnTx/>
+                <a:uFillTx/>
+                <a:latin typeface="Arial"/>
+                <a:cs typeface="Arial"/>
+                <a:sym typeface="Arial"/>
+              </a:rPr>
+              <a:pPr marL="0" marR="0" lvl="0" indent="0" algn="r" defTabSz="914400" rtl="0" eaLnBrk="1" fontAlgn="auto" latinLnBrk="0" hangingPunct="1">
+                <a:lnSpc>
+                  <a:spcPct val="100000"/>
+                </a:lnSpc>
+                <a:spcBef>
+                  <a:spcPts val="0"/>
+                </a:spcBef>
+                <a:spcAft>
+                  <a:spcPts val="0"/>
+                </a:spcAft>
+                <a:buClr>
+                  <a:srgbClr val="000000"/>
+                </a:buClr>
+                <a:buSzTx/>
+                <a:buFont typeface="Arial"/>
+                <a:buNone/>
+                <a:tabLst/>
+                <a:defRPr/>
+              </a:pPr>
+              <a:t>7</a:t>
+            </a:fld>
+            <a:endParaRPr kumimoji="0" sz="1400" b="0" i="0" u="none" strike="noStrike" kern="0" cap="none" spc="0" normalizeH="0" baseline="0" noProof="0">
+              <a:ln>
+                <a:noFill/>
+              </a:ln>
+              <a:solidFill>
+                <a:srgbClr val="000000"/>
+              </a:solidFill>
+              <a:effectLst/>
+              <a:uLnTx/>
+              <a:uFillTx/>
+              <a:latin typeface="Arial"/>
+              <a:cs typeface="Arial"/>
+              <a:sym typeface="Arial"/>
+            </a:endParaRPr>
+          </a:p>
+        </p:txBody>
+      </p:sp>
+    </p:spTree>
+  </p:cSld>
+  <p:clrMapOvr>
+    <a:masterClrMapping/>
+  </p:clrMapOvr>
+</p:notes>
+</file>
+
+<file path=ppt/notesSlides/notesSlide4.xml><?xml version="1.0" encoding="utf-8"?>
 <p:notes xmlns:a="http://schemas.openxmlformats.org/drawingml/2006/main" xmlns:r="http://schemas.openxmlformats.org/officeDocument/2006/relationships" xmlns:p="http://schemas.openxmlformats.org/presentationml/2006/main" showMasterSp="0" showMasterPhAnim="0">
   <p:cSld>
     <p:spTree>
@@ -1060,7 +1254,7 @@
                 <a:tabLst/>
                 <a:defRPr/>
               </a:pPr>
-              <a:t>12</a:t>
+              <a:t>13</a:t>
             </a:fld>
             <a:endParaRPr kumimoji="0" sz="1400" b="0" i="0" u="none" strike="noStrike" kern="0" cap="none" spc="0" normalizeH="0" baseline="0" noProof="0">
               <a:ln>
@@ -37931,6 +38125,229 @@
 <file path=ppt/slides/slide10.xml><?xml version="1.0" encoding="utf-8"?>
 <p:sld xmlns:a="http://schemas.openxmlformats.org/drawingml/2006/main" xmlns:r="http://schemas.openxmlformats.org/officeDocument/2006/relationships" xmlns:p="http://schemas.openxmlformats.org/presentationml/2006/main">
   <p:cSld>
+    <p:spTree>
+      <p:nvGrpSpPr>
+        <p:cNvPr id="1" name=""/>
+        <p:cNvGrpSpPr/>
+        <p:nvPr/>
+      </p:nvGrpSpPr>
+      <p:grpSpPr>
+        <a:xfrm>
+          <a:off x="0" y="0"/>
+          <a:ext cx="0" cy="0"/>
+          <a:chOff x="0" y="0"/>
+          <a:chExt cx="0" cy="0"/>
+        </a:xfrm>
+      </p:grpSpPr>
+      <p:pic>
+        <p:nvPicPr>
+          <p:cNvPr id="5" name="Picture 4" descr="Chart, bar chart&#10;&#10;Description automatically generated">
+            <a:extLst>
+              <a:ext uri="{FF2B5EF4-FFF2-40B4-BE49-F238E27FC236}">
+                <a16:creationId xmlns:a16="http://schemas.microsoft.com/office/drawing/2014/main" id="{56ED008E-FEE1-8504-EBF1-B1BFAB45DF89}"/>
+              </a:ext>
+            </a:extLst>
+          </p:cNvPr>
+          <p:cNvPicPr>
+            <a:picLocks noChangeAspect="1"/>
+          </p:cNvPicPr>
+          <p:nvPr/>
+        </p:nvPicPr>
+        <p:blipFill>
+          <a:blip r:embed="rId2"/>
+          <a:stretch>
+            <a:fillRect/>
+          </a:stretch>
+        </p:blipFill>
+        <p:spPr>
+          <a:xfrm>
+            <a:off x="424280" y="127986"/>
+            <a:ext cx="5409592" cy="6479805"/>
+          </a:xfrm>
+          <a:prstGeom prst="rect">
+            <a:avLst/>
+          </a:prstGeom>
+        </p:spPr>
+      </p:pic>
+      <p:sp>
+        <p:nvSpPr>
+          <p:cNvPr id="7" name="TextBox 6">
+            <a:extLst>
+              <a:ext uri="{FF2B5EF4-FFF2-40B4-BE49-F238E27FC236}">
+                <a16:creationId xmlns:a16="http://schemas.microsoft.com/office/drawing/2014/main" id="{C08BE3C3-4245-42BD-201B-6E58523F7BC6}"/>
+              </a:ext>
+            </a:extLst>
+          </p:cNvPr>
+          <p:cNvSpPr txBox="1"/>
+          <p:nvPr/>
+        </p:nvSpPr>
+        <p:spPr>
+          <a:xfrm>
+            <a:off x="4112927" y="6392347"/>
+            <a:ext cx="3049555" cy="430887"/>
+          </a:xfrm>
+          <a:prstGeom prst="rect">
+            <a:avLst/>
+          </a:prstGeom>
+          <a:noFill/>
+        </p:spPr>
+        <p:txBody>
+          <a:bodyPr wrap="square">
+            <a:spAutoFit/>
+          </a:bodyPr>
+          <a:lstStyle/>
+          <a:p>
+            <a:pPr marL="0" marR="0" lvl="0" indent="0" algn="l" defTabSz="457200" rtl="0" eaLnBrk="1" fontAlgn="auto" latinLnBrk="0" hangingPunct="1">
+              <a:lnSpc>
+                <a:spcPct val="100000"/>
+              </a:lnSpc>
+              <a:spcBef>
+                <a:spcPts val="0"/>
+              </a:spcBef>
+              <a:spcAft>
+                <a:spcPts val="0"/>
+              </a:spcAft>
+              <a:buClrTx/>
+              <a:buSzTx/>
+              <a:buFontTx/>
+              <a:buNone/>
+              <a:tabLst/>
+              <a:defRPr/>
+            </a:pPr>
+            <a:r>
+              <a:rPr kumimoji="0" lang="en-US" sz="1100" b="0" i="0" u="none" strike="noStrike" kern="1200" cap="none" spc="0" normalizeH="0" baseline="0" noProof="0" dirty="0">
+                <a:ln>
+                  <a:noFill/>
+                </a:ln>
+                <a:solidFill>
+                  <a:prstClr val="black"/>
+                </a:solidFill>
+                <a:effectLst/>
+                <a:uLnTx/>
+                <a:uFillTx/>
+                <a:latin typeface="Century Gothic" panose="020B0502020202020204"/>
+                <a:ea typeface="+mn-ea"/>
+                <a:cs typeface="+mn-cs"/>
+              </a:rPr>
+              <a:t>*number is reduced to ensure a graph that fits on a screen and is still legible</a:t>
+            </a:r>
+          </a:p>
+        </p:txBody>
+      </p:sp>
+      <p:sp>
+        <p:nvSpPr>
+          <p:cNvPr id="9" name="TextBox 8">
+            <a:extLst>
+              <a:ext uri="{FF2B5EF4-FFF2-40B4-BE49-F238E27FC236}">
+                <a16:creationId xmlns:a16="http://schemas.microsoft.com/office/drawing/2014/main" id="{BF9422E9-4993-1558-B328-B1753217A9B0}"/>
+              </a:ext>
+            </a:extLst>
+          </p:cNvPr>
+          <p:cNvSpPr txBox="1"/>
+          <p:nvPr/>
+        </p:nvSpPr>
+        <p:spPr>
+          <a:xfrm>
+            <a:off x="6096000" y="1525006"/>
+            <a:ext cx="4959748" cy="3908762"/>
+          </a:xfrm>
+          <a:prstGeom prst="rect">
+            <a:avLst/>
+          </a:prstGeom>
+          <a:noFill/>
+        </p:spPr>
+        <p:txBody>
+          <a:bodyPr wrap="square" rtlCol="0">
+            <a:spAutoFit/>
+          </a:bodyPr>
+          <a:lstStyle/>
+          <a:p>
+            <a:pPr marL="285750" marR="0" lvl="0" indent="-285750" algn="l" defTabSz="457200" rtl="0" eaLnBrk="1" fontAlgn="auto" latinLnBrk="0" hangingPunct="1">
+              <a:lnSpc>
+                <a:spcPct val="100000"/>
+              </a:lnSpc>
+              <a:spcBef>
+                <a:spcPts val="0"/>
+              </a:spcBef>
+              <a:spcAft>
+                <a:spcPts val="0"/>
+              </a:spcAft>
+              <a:buClrTx/>
+              <a:buSzTx/>
+              <a:buFont typeface="Arial" panose="020B0604020202020204" pitchFamily="34" charset="0"/>
+              <a:buChar char="•"/>
+              <a:tabLst/>
+              <a:defRPr/>
+            </a:pPr>
+            <a:r>
+              <a:rPr kumimoji="0" lang="en-US" sz="2800" b="0" i="0" u="none" strike="noStrike" kern="1200" cap="none" spc="0" normalizeH="0" baseline="0" noProof="0" dirty="0">
+                <a:ln>
+                  <a:noFill/>
+                </a:ln>
+                <a:solidFill>
+                  <a:prstClr val="white"/>
+                </a:solidFill>
+                <a:effectLst/>
+                <a:uLnTx/>
+                <a:uFillTx/>
+                <a:latin typeface="Century Gothic" panose="020B0502020202020204"/>
+                <a:ea typeface="+mn-ea"/>
+                <a:cs typeface="+mn-cs"/>
+              </a:rPr>
+              <a:t>For the men reported in this data set, there were just over 5.6 million cigarette smokers, 3.6 million smokeless tobacco users, and 1.6 million e-cigarette smokers.</a:t>
+            </a:r>
+          </a:p>
+          <a:p>
+            <a:pPr marL="0" marR="0" lvl="0" indent="0" algn="l" defTabSz="457200" rtl="0" eaLnBrk="1" fontAlgn="auto" latinLnBrk="0" hangingPunct="1">
+              <a:lnSpc>
+                <a:spcPct val="100000"/>
+              </a:lnSpc>
+              <a:spcBef>
+                <a:spcPts val="0"/>
+              </a:spcBef>
+              <a:spcAft>
+                <a:spcPts val="0"/>
+              </a:spcAft>
+              <a:buClrTx/>
+              <a:buSzTx/>
+              <a:buFontTx/>
+              <a:buNone/>
+              <a:tabLst/>
+              <a:defRPr/>
+            </a:pPr>
+            <a:endParaRPr kumimoji="0" lang="en-US" sz="2400" b="0" i="0" u="none" strike="noStrike" kern="1200" cap="none" spc="0" normalizeH="0" baseline="0" noProof="0" dirty="0">
+              <a:ln>
+                <a:noFill/>
+              </a:ln>
+              <a:solidFill>
+                <a:prstClr val="white"/>
+              </a:solidFill>
+              <a:effectLst/>
+              <a:uLnTx/>
+              <a:uFillTx/>
+              <a:latin typeface="Century Gothic" panose="020B0502020202020204"/>
+              <a:ea typeface="+mn-ea"/>
+              <a:cs typeface="+mn-cs"/>
+            </a:endParaRPr>
+          </a:p>
+        </p:txBody>
+      </p:sp>
+    </p:spTree>
+    <p:extLst>
+      <p:ext uri="{BB962C8B-B14F-4D97-AF65-F5344CB8AC3E}">
+        <p14:creationId xmlns:p14="http://schemas.microsoft.com/office/powerpoint/2010/main" val="2871259280"/>
+      </p:ext>
+    </p:extLst>
+  </p:cSld>
+  <p:clrMapOvr>
+    <a:masterClrMapping/>
+  </p:clrMapOvr>
+</p:sld>
+</file>
+
+<file path=ppt/slides/slide11.xml><?xml version="1.0" encoding="utf-8"?>
+<p:sld xmlns:a="http://schemas.openxmlformats.org/drawingml/2006/main" xmlns:r="http://schemas.openxmlformats.org/officeDocument/2006/relationships" xmlns:p="http://schemas.openxmlformats.org/presentationml/2006/main">
+  <p:cSld>
     <p:bg>
       <p:bgPr>
         <a:solidFill>
@@ -38226,7 +38643,7 @@
 </p:sld>
 </file>
 
-<file path=ppt/slides/slide11.xml><?xml version="1.0" encoding="utf-8"?>
+<file path=ppt/slides/slide12.xml><?xml version="1.0" encoding="utf-8"?>
 <p:sld xmlns:a="http://schemas.openxmlformats.org/drawingml/2006/main" xmlns:r="http://schemas.openxmlformats.org/officeDocument/2006/relationships" xmlns:p="http://schemas.openxmlformats.org/presentationml/2006/main">
   <p:cSld>
     <p:bg>
@@ -39176,7 +39593,7 @@
 </p:sld>
 </file>
 
-<file path=ppt/slides/slide12.xml><?xml version="1.0" encoding="utf-8"?>
+<file path=ppt/slides/slide13.xml><?xml version="1.0" encoding="utf-8"?>
 <p:sld xmlns:a="http://schemas.openxmlformats.org/drawingml/2006/main" xmlns:r="http://schemas.openxmlformats.org/officeDocument/2006/relationships" xmlns:p="http://schemas.openxmlformats.org/presentationml/2006/main">
   <p:cSld>
     <p:spTree>
@@ -40766,8 +41183,8 @@
         </p:nvSpPr>
         <p:spPr>
           <a:xfrm>
-            <a:off x="761377" y="773213"/>
-            <a:ext cx="6813300" cy="708000"/>
+            <a:off x="761374" y="773225"/>
+            <a:ext cx="9213900" cy="708000"/>
           </a:xfrm>
           <a:prstGeom prst="rect">
             <a:avLst/>
@@ -40818,7 +41235,7 @@
                 <a:cs typeface="Century Gothic"/>
                 <a:sym typeface="Century Gothic"/>
               </a:rPr>
-              <a:t>Tobacco Use Over Time</a:t>
+              <a:t>Tobacco Use Over Time - Cigarette</a:t>
             </a:r>
             <a:endParaRPr kumimoji="0" sz="1400" b="0" i="0" u="none" strike="noStrike" kern="0" cap="none" spc="0" normalizeH="0" baseline="0" noProof="0">
               <a:ln>
@@ -40853,8 +41270,8 @@
         </p:blipFill>
         <p:spPr>
           <a:xfrm>
-            <a:off x="469075" y="2141500"/>
-            <a:ext cx="3693468" cy="2770150"/>
+            <a:off x="3350825" y="1665238"/>
+            <a:ext cx="4703275" cy="3527525"/>
           </a:xfrm>
           <a:prstGeom prst="rect">
             <a:avLst/>
@@ -40865,24 +41282,16 @@
           </a:ln>
         </p:spPr>
       </p:pic>
-      <p:pic>
-        <p:nvPicPr>
+      <p:sp>
+        <p:nvSpPr>
           <p:cNvPr id="256" name="Google Shape;256;p19"/>
-          <p:cNvPicPr preferRelativeResize="0"/>
+          <p:cNvSpPr txBox="1"/>
           <p:nvPr/>
-        </p:nvPicPr>
-        <p:blipFill>
-          <a:blip r:embed="rId4">
-            <a:alphaModFix/>
-          </a:blip>
-          <a:stretch>
-            <a:fillRect/>
-          </a:stretch>
-        </p:blipFill>
+        </p:nvSpPr>
         <p:spPr>
           <a:xfrm>
-            <a:off x="4162550" y="2141500"/>
-            <a:ext cx="3995526" cy="2770150"/>
+            <a:off x="2865325" y="5504875"/>
+            <a:ext cx="8160900" cy="507900"/>
           </a:xfrm>
           <a:prstGeom prst="rect">
             <a:avLst/>
@@ -40892,35 +41301,66 @@
             <a:noFill/>
           </a:ln>
         </p:spPr>
-      </p:pic>
-      <p:pic>
-        <p:nvPicPr>
-          <p:cNvPr id="257" name="Google Shape;257;p19"/>
-          <p:cNvPicPr preferRelativeResize="0"/>
-          <p:nvPr/>
-        </p:nvPicPr>
-        <p:blipFill>
-          <a:blip r:embed="rId5">
-            <a:alphaModFix/>
-          </a:blip>
-          <a:stretch>
-            <a:fillRect/>
-          </a:stretch>
-        </p:blipFill>
-        <p:spPr>
-          <a:xfrm>
-            <a:off x="8158075" y="2141500"/>
-            <a:ext cx="3546026" cy="2770150"/>
-          </a:xfrm>
-          <a:prstGeom prst="rect">
-            <a:avLst/>
-          </a:prstGeom>
-          <a:noFill/>
-          <a:ln>
-            <a:noFill/>
-          </a:ln>
-        </p:spPr>
-      </p:pic>
+        <p:txBody>
+          <a:bodyPr spcFirstLastPara="1" wrap="square" lIns="91425" tIns="91425" rIns="91425" bIns="91425" anchor="t" anchorCtr="0">
+            <a:spAutoFit/>
+          </a:bodyPr>
+          <a:lstStyle/>
+          <a:p>
+            <a:pPr marL="457200" marR="0" lvl="0" indent="0" algn="l" defTabSz="914400" rtl="0" eaLnBrk="1" fontAlgn="auto" latinLnBrk="0" hangingPunct="1">
+              <a:lnSpc>
+                <a:spcPct val="300000"/>
+              </a:lnSpc>
+              <a:spcBef>
+                <a:spcPts val="0"/>
+              </a:spcBef>
+              <a:spcAft>
+                <a:spcPts val="0"/>
+              </a:spcAft>
+              <a:buClr>
+                <a:srgbClr val="000000"/>
+              </a:buClr>
+              <a:buSzTx/>
+              <a:buFont typeface="Arial"/>
+              <a:buNone/>
+              <a:tabLst/>
+              <a:defRPr/>
+            </a:pPr>
+            <a:r>
+              <a:rPr kumimoji="0" lang="en-US" sz="2100" b="0" i="0" u="none" strike="noStrike" kern="0" cap="none" spc="0" normalizeH="0" baseline="0" noProof="0">
+                <a:ln>
+                  <a:noFill/>
+                </a:ln>
+                <a:solidFill>
+                  <a:srgbClr val="FFFFFF"/>
+                </a:solidFill>
+                <a:effectLst/>
+                <a:uLnTx/>
+                <a:uFillTx/>
+                <a:latin typeface="Helvetica Neue"/>
+                <a:ea typeface="Helvetica Neue"/>
+                <a:cs typeface="Helvetica Neue"/>
+                <a:sym typeface="Helvetica Neue"/>
+              </a:rPr>
+              <a:t>Cigarette use declined from 2011-2019.</a:t>
+            </a:r>
+            <a:endParaRPr kumimoji="0" sz="1700" b="0" i="0" u="none" strike="noStrike" kern="0" cap="none" spc="0" normalizeH="0" baseline="0" noProof="0">
+              <a:ln>
+                <a:noFill/>
+              </a:ln>
+              <a:solidFill>
+                <a:srgbClr val="000000"/>
+              </a:solidFill>
+              <a:effectLst/>
+              <a:uLnTx/>
+              <a:uFillTx/>
+              <a:latin typeface="Arial"/>
+              <a:cs typeface="Arial"/>
+              <a:sym typeface="Arial"/>
+            </a:endParaRPr>
+          </a:p>
+        </p:txBody>
+      </p:sp>
     </p:spTree>
   </p:cSld>
   <p:clrMapOvr>
@@ -40934,7 +41374,7 @@
   <p:cSld>
     <p:spTree>
       <p:nvGrpSpPr>
-        <p:cNvPr id="1" name="Shape 262"/>
+        <p:cNvPr id="1" name="Shape 261"/>
         <p:cNvGrpSpPr/>
         <p:nvPr/>
       </p:nvGrpSpPr>
@@ -40948,14 +41388,14 @@
       </p:grpSpPr>
       <p:sp>
         <p:nvSpPr>
-          <p:cNvPr id="263" name="Google Shape;263;p20"/>
+          <p:cNvPr id="262" name="Google Shape;262;p20"/>
           <p:cNvSpPr txBox="1"/>
           <p:nvPr/>
         </p:nvSpPr>
         <p:spPr>
           <a:xfrm>
-            <a:off x="761375" y="773225"/>
-            <a:ext cx="9921300" cy="708000"/>
+            <a:off x="761374" y="773225"/>
+            <a:ext cx="9213900" cy="708000"/>
           </a:xfrm>
           <a:prstGeom prst="rect">
             <a:avLst/>
@@ -40991,7 +41431,7 @@
               <a:defRPr/>
             </a:pPr>
             <a:r>
-              <a:rPr kumimoji="0" lang="en-US" sz="4000" b="0" i="0" u="none" strike="noStrike" kern="0" cap="none" spc="0" normalizeH="0" baseline="0" noProof="0" dirty="0">
+              <a:rPr kumimoji="0" lang="en-US" sz="4000" b="0" i="0" u="none" strike="noStrike" kern="0" cap="none" spc="0" normalizeH="0" baseline="0" noProof="0">
                 <a:ln>
                   <a:noFill/>
                 </a:ln>
@@ -41006,9 +41446,9 @@
                 <a:cs typeface="Century Gothic"/>
                 <a:sym typeface="Century Gothic"/>
               </a:rPr>
-              <a:t>Tobacco Use Over Time - Conclusions</a:t>
+              <a:t>Tobacco Use Over Time - Smokeless</a:t>
             </a:r>
-            <a:endParaRPr kumimoji="0" sz="1400" b="0" i="0" u="none" strike="noStrike" kern="0" cap="none" spc="0" normalizeH="0" baseline="0" noProof="0" dirty="0">
+            <a:endParaRPr kumimoji="0" sz="1400" b="0" i="0" u="none" strike="noStrike" kern="0" cap="none" spc="0" normalizeH="0" baseline="0" noProof="0">
               <a:ln>
                 <a:noFill/>
               </a:ln>
@@ -41025,6 +41465,34 @@
           </a:p>
         </p:txBody>
       </p:sp>
+      <p:pic>
+        <p:nvPicPr>
+          <p:cNvPr id="263" name="Google Shape;263;p20"/>
+          <p:cNvPicPr preferRelativeResize="0"/>
+          <p:nvPr/>
+        </p:nvPicPr>
+        <p:blipFill>
+          <a:blip r:embed="rId3">
+            <a:alphaModFix/>
+          </a:blip>
+          <a:stretch>
+            <a:fillRect/>
+          </a:stretch>
+        </p:blipFill>
+        <p:spPr>
+          <a:xfrm>
+            <a:off x="3275850" y="1481225"/>
+            <a:ext cx="5437300" cy="3684875"/>
+          </a:xfrm>
+          <a:prstGeom prst="rect">
+            <a:avLst/>
+          </a:prstGeom>
+          <a:noFill/>
+          <a:ln>
+            <a:noFill/>
+          </a:ln>
+        </p:spPr>
+      </p:pic>
       <p:sp>
         <p:nvSpPr>
           <p:cNvPr id="264" name="Google Shape;264;p20"/>
@@ -41033,8 +41501,112 @@
         </p:nvSpPr>
         <p:spPr>
           <a:xfrm>
-            <a:off x="1015454" y="1607983"/>
-            <a:ext cx="9009600" cy="3944100"/>
+            <a:off x="870450" y="5166100"/>
+            <a:ext cx="10451100" cy="1293000"/>
+          </a:xfrm>
+          <a:prstGeom prst="rect">
+            <a:avLst/>
+          </a:prstGeom>
+          <a:noFill/>
+          <a:ln>
+            <a:noFill/>
+          </a:ln>
+        </p:spPr>
+        <p:txBody>
+          <a:bodyPr spcFirstLastPara="1" wrap="square" lIns="91425" tIns="91425" rIns="91425" bIns="91425" anchor="t" anchorCtr="0">
+            <a:normAutofit fontScale="77500" lnSpcReduction="20000"/>
+          </a:bodyPr>
+          <a:lstStyle/>
+          <a:p>
+            <a:pPr marL="0" marR="0" lvl="0" indent="0" algn="l" defTabSz="914400" rtl="0" eaLnBrk="1" fontAlgn="auto" latinLnBrk="0" hangingPunct="1">
+              <a:lnSpc>
+                <a:spcPct val="300000"/>
+              </a:lnSpc>
+              <a:spcBef>
+                <a:spcPts val="0"/>
+              </a:spcBef>
+              <a:spcAft>
+                <a:spcPts val="0"/>
+              </a:spcAft>
+              <a:buClr>
+                <a:srgbClr val="000000"/>
+              </a:buClr>
+              <a:buSzTx/>
+              <a:buFont typeface="Arial"/>
+              <a:buNone/>
+              <a:tabLst/>
+              <a:defRPr/>
+            </a:pPr>
+            <a:r>
+              <a:rPr kumimoji="0" lang="en-US" sz="1800" b="0" i="0" u="none" strike="noStrike" kern="0" cap="none" spc="0" normalizeH="0" baseline="0" noProof="0">
+                <a:ln>
+                  <a:noFill/>
+                </a:ln>
+                <a:solidFill>
+                  <a:srgbClr val="FFFFFF"/>
+                </a:solidFill>
+                <a:effectLst/>
+                <a:uLnTx/>
+                <a:uFillTx/>
+                <a:latin typeface="Helvetica Neue"/>
+                <a:ea typeface="Helvetica Neue"/>
+                <a:cs typeface="Helvetica Neue"/>
+                <a:sym typeface="Helvetica Neue"/>
+              </a:rPr>
+              <a:t>Smokeless tobacco use has not clearly trended in one direction from 2011-2019, and has remained low compared to cigarette use.</a:t>
+            </a:r>
+            <a:endParaRPr kumimoji="0" sz="1400" b="0" i="0" u="none" strike="noStrike" kern="0" cap="none" spc="0" normalizeH="0" baseline="0" noProof="0">
+              <a:ln>
+                <a:noFill/>
+              </a:ln>
+              <a:solidFill>
+                <a:srgbClr val="000000"/>
+              </a:solidFill>
+              <a:effectLst/>
+              <a:uLnTx/>
+              <a:uFillTx/>
+              <a:latin typeface="Arial"/>
+              <a:cs typeface="Arial"/>
+              <a:sym typeface="Arial"/>
+            </a:endParaRPr>
+          </a:p>
+        </p:txBody>
+      </p:sp>
+    </p:spTree>
+  </p:cSld>
+  <p:clrMapOvr>
+    <a:masterClrMapping/>
+  </p:clrMapOvr>
+</p:sld>
+</file>
+
+<file path=ppt/slides/slide7.xml><?xml version="1.0" encoding="utf-8"?>
+<p:sld xmlns:a="http://schemas.openxmlformats.org/drawingml/2006/main" xmlns:r="http://schemas.openxmlformats.org/officeDocument/2006/relationships" xmlns:p="http://schemas.openxmlformats.org/presentationml/2006/main">
+  <p:cSld>
+    <p:spTree>
+      <p:nvGrpSpPr>
+        <p:cNvPr id="1" name="Shape 269"/>
+        <p:cNvGrpSpPr/>
+        <p:nvPr/>
+      </p:nvGrpSpPr>
+      <p:grpSpPr>
+        <a:xfrm>
+          <a:off x="0" y="0"/>
+          <a:ext cx="0" cy="0"/>
+          <a:chOff x="0" y="0"/>
+          <a:chExt cx="0" cy="0"/>
+        </a:xfrm>
+      </p:grpSpPr>
+      <p:sp>
+        <p:nvSpPr>
+          <p:cNvPr id="270" name="Google Shape;270;p21"/>
+          <p:cNvSpPr txBox="1"/>
+          <p:nvPr/>
+        </p:nvSpPr>
+        <p:spPr>
+          <a:xfrm>
+            <a:off x="761375" y="773225"/>
+            <a:ext cx="9583200" cy="708000"/>
           </a:xfrm>
           <a:prstGeom prst="rect">
             <a:avLst/>
@@ -41052,10 +41624,10 @@
           <a:p>
             <a:pPr marL="0" marR="0" lvl="0" indent="0" algn="l" defTabSz="914400" rtl="0" eaLnBrk="1" fontAlgn="auto" latinLnBrk="0" hangingPunct="1">
               <a:lnSpc>
-                <a:spcPct val="115000"/>
+                <a:spcPct val="100000"/>
               </a:lnSpc>
               <a:spcBef>
-                <a:spcPts val="1100"/>
+                <a:spcPts val="0"/>
               </a:spcBef>
               <a:spcAft>
                 <a:spcPts val="0"/>
@@ -41069,46 +41641,8 @@
               <a:tabLst/>
               <a:defRPr/>
             </a:pPr>
-            <a:endParaRPr kumimoji="0" sz="1050" b="0" i="0" u="none" strike="noStrike" kern="0" cap="none" spc="0" normalizeH="0" baseline="0" noProof="0" dirty="0">
-              <a:ln>
-                <a:noFill/>
-              </a:ln>
-              <a:solidFill>
-                <a:srgbClr val="000000"/>
-              </a:solidFill>
-              <a:effectLst/>
-              <a:highlight>
-                <a:srgbClr val="FFFFFF"/>
-              </a:highlight>
-              <a:uLnTx/>
-              <a:uFillTx/>
-              <a:latin typeface="Arial"/>
-              <a:cs typeface="Arial"/>
-              <a:sym typeface="Arial"/>
-            </a:endParaRPr>
-          </a:p>
-          <a:p>
-            <a:pPr marL="285750" marR="0" lvl="0" indent="-285750" algn="l" defTabSz="914400" rtl="0" eaLnBrk="1" fontAlgn="auto" latinLnBrk="0" hangingPunct="1">
-              <a:lnSpc>
-                <a:spcPct val="300000"/>
-              </a:lnSpc>
-              <a:spcBef>
-                <a:spcPts val="500"/>
-              </a:spcBef>
-              <a:spcAft>
-                <a:spcPts val="0"/>
-              </a:spcAft>
-              <a:buClr>
-                <a:srgbClr val="FFFFFF"/>
-              </a:buClr>
-              <a:buSzPts val="1800"/>
-              <a:buFont typeface="Helvetica Neue"/>
-              <a:buChar char="•"/>
-              <a:tabLst/>
-              <a:defRPr/>
-            </a:pPr>
             <a:r>
-              <a:rPr kumimoji="0" lang="en-US" sz="1800" b="0" i="0" u="none" strike="noStrike" kern="0" cap="none" spc="0" normalizeH="0" baseline="0" noProof="0" dirty="0">
+              <a:rPr kumimoji="0" lang="en-US" sz="4000" b="0" i="0" u="none" strike="noStrike" kern="0" cap="none" spc="0" normalizeH="0" baseline="0" noProof="0">
                 <a:ln>
                   <a:noFill/>
                 </a:ln>
@@ -41118,31 +41652,84 @@
                 <a:effectLst/>
                 <a:uLnTx/>
                 <a:uFillTx/>
-                <a:latin typeface="Helvetica Neue"/>
-                <a:ea typeface="Helvetica Neue"/>
-                <a:cs typeface="Helvetica Neue"/>
-                <a:sym typeface="Helvetica Neue"/>
+                <a:latin typeface="Century Gothic"/>
+                <a:ea typeface="Century Gothic"/>
+                <a:cs typeface="Century Gothic"/>
+                <a:sym typeface="Century Gothic"/>
               </a:rPr>
-              <a:t>Cigarette use declined from 2011-2019.</a:t>
+              <a:t>Tobacco Use Over Time - E-Cigarette</a:t>
             </a:r>
-            <a:endParaRPr kumimoji="0" sz="1800" b="0" i="0" u="none" strike="noStrike" kern="0" cap="none" spc="0" normalizeH="0" baseline="0" noProof="0" dirty="0">
+            <a:endParaRPr kumimoji="0" sz="1400" b="0" i="0" u="none" strike="noStrike" kern="0" cap="none" spc="0" normalizeH="0" baseline="0" noProof="0">
               <a:ln>
                 <a:noFill/>
               </a:ln>
               <a:solidFill>
-                <a:srgbClr val="FFFFFF"/>
+                <a:srgbClr val="000000"/>
               </a:solidFill>
               <a:effectLst/>
               <a:uLnTx/>
               <a:uFillTx/>
-              <a:latin typeface="Helvetica Neue"/>
-              <a:ea typeface="Helvetica Neue"/>
-              <a:cs typeface="Helvetica Neue"/>
-              <a:sym typeface="Helvetica Neue"/>
+              <a:latin typeface="Arial"/>
+              <a:cs typeface="Arial"/>
+              <a:sym typeface="Arial"/>
             </a:endParaRPr>
           </a:p>
+        </p:txBody>
+      </p:sp>
+      <p:pic>
+        <p:nvPicPr>
+          <p:cNvPr id="271" name="Google Shape;271;p21"/>
+          <p:cNvPicPr preferRelativeResize="0"/>
+          <p:nvPr/>
+        </p:nvPicPr>
+        <p:blipFill>
+          <a:blip r:embed="rId3">
+            <a:alphaModFix/>
+          </a:blip>
+          <a:stretch>
+            <a:fillRect/>
+          </a:stretch>
+        </p:blipFill>
+        <p:spPr>
+          <a:xfrm>
+            <a:off x="3225880" y="1634037"/>
+            <a:ext cx="5068376" cy="3959425"/>
+          </a:xfrm>
+          <a:prstGeom prst="rect">
+            <a:avLst/>
+          </a:prstGeom>
+          <a:noFill/>
+          <a:ln>
+            <a:noFill/>
+          </a:ln>
+        </p:spPr>
+      </p:pic>
+      <p:sp>
+        <p:nvSpPr>
+          <p:cNvPr id="272" name="Google Shape;272;p21"/>
+          <p:cNvSpPr txBox="1"/>
+          <p:nvPr/>
+        </p:nvSpPr>
+        <p:spPr>
+          <a:xfrm>
+            <a:off x="1830825" y="5746275"/>
+            <a:ext cx="9012600" cy="507900"/>
+          </a:xfrm>
+          <a:prstGeom prst="rect">
+            <a:avLst/>
+          </a:prstGeom>
+          <a:noFill/>
+          <a:ln>
+            <a:noFill/>
+          </a:ln>
+        </p:spPr>
+        <p:txBody>
+          <a:bodyPr spcFirstLastPara="1" wrap="square" lIns="91425" tIns="91425" rIns="91425" bIns="91425" anchor="t" anchorCtr="0">
+            <a:spAutoFit/>
+          </a:bodyPr>
+          <a:lstStyle/>
           <a:p>
-            <a:pPr marL="285750" marR="0" lvl="0" indent="-285750" algn="l" defTabSz="914400" rtl="0" eaLnBrk="1" fontAlgn="auto" latinLnBrk="0" hangingPunct="1">
+            <a:pPr marL="457200" marR="0" lvl="0" indent="0" algn="l" defTabSz="914400" rtl="0" eaLnBrk="1" fontAlgn="auto" latinLnBrk="0" hangingPunct="1">
               <a:lnSpc>
                 <a:spcPct val="300000"/>
               </a:lnSpc>
@@ -41153,70 +41740,16 @@
                 <a:spcPts val="0"/>
               </a:spcAft>
               <a:buClr>
-                <a:srgbClr val="FFFFFF"/>
+                <a:srgbClr val="000000"/>
               </a:buClr>
-              <a:buSzPts val="1800"/>
-              <a:buFont typeface="Helvetica Neue"/>
-              <a:buChar char="•"/>
+              <a:buSzTx/>
+              <a:buFont typeface="Arial"/>
+              <a:buNone/>
               <a:tabLst/>
               <a:defRPr/>
             </a:pPr>
             <a:r>
-              <a:rPr kumimoji="0" lang="en-US" sz="1800" b="0" i="0" u="none" strike="noStrike" kern="0" cap="none" spc="0" normalizeH="0" baseline="0" noProof="0" dirty="0">
-                <a:ln>
-                  <a:noFill/>
-                </a:ln>
-                <a:solidFill>
-                  <a:srgbClr val="FFFFFF"/>
-                </a:solidFill>
-                <a:effectLst/>
-                <a:uLnTx/>
-                <a:uFillTx/>
-                <a:latin typeface="Helvetica Neue"/>
-                <a:ea typeface="Helvetica Neue"/>
-                <a:cs typeface="Helvetica Neue"/>
-                <a:sym typeface="Helvetica Neue"/>
-              </a:rPr>
-              <a:t>Smokeless tobacco use has not clearly trended in one direction from 2011-2019, and has remained low compared to cigarette use.</a:t>
-            </a:r>
-            <a:endParaRPr kumimoji="0" sz="1800" b="0" i="0" u="none" strike="noStrike" kern="0" cap="none" spc="0" normalizeH="0" baseline="0" noProof="0" dirty="0">
-              <a:ln>
-                <a:noFill/>
-              </a:ln>
-              <a:solidFill>
-                <a:srgbClr val="FFFFFF"/>
-              </a:solidFill>
-              <a:effectLst/>
-              <a:uLnTx/>
-              <a:uFillTx/>
-              <a:latin typeface="Helvetica Neue"/>
-              <a:ea typeface="Helvetica Neue"/>
-              <a:cs typeface="Helvetica Neue"/>
-              <a:sym typeface="Helvetica Neue"/>
-            </a:endParaRPr>
-          </a:p>
-          <a:p>
-            <a:pPr marL="285750" marR="0" lvl="0" indent="-285750" algn="l" defTabSz="914400" rtl="0" eaLnBrk="1" fontAlgn="auto" latinLnBrk="0" hangingPunct="1">
-              <a:lnSpc>
-                <a:spcPct val="300000"/>
-              </a:lnSpc>
-              <a:spcBef>
-                <a:spcPts val="0"/>
-              </a:spcBef>
-              <a:spcAft>
-                <a:spcPts val="0"/>
-              </a:spcAft>
-              <a:buClr>
-                <a:srgbClr val="FFFFFF"/>
-              </a:buClr>
-              <a:buSzPts val="1800"/>
-              <a:buFont typeface="Helvetica Neue"/>
-              <a:buChar char="•"/>
-              <a:tabLst/>
-              <a:defRPr/>
-            </a:pPr>
-            <a:r>
-              <a:rPr kumimoji="0" lang="en-US" sz="1800" b="0" i="0" u="none" strike="noStrike" kern="0" cap="none" spc="0" normalizeH="0" baseline="0" noProof="0" dirty="0">
+              <a:rPr kumimoji="0" lang="en-US" sz="2100" b="0" i="0" u="none" strike="noStrike" kern="0" cap="none" spc="0" normalizeH="0" baseline="0" noProof="0">
                 <a:ln>
                   <a:noFill/>
                 </a:ln>
@@ -41233,56 +41766,19 @@
               </a:rPr>
               <a:t>There is not enough data on e-cigarette use to determine a trend.</a:t>
             </a:r>
-            <a:endParaRPr kumimoji="0" sz="1800" b="0" i="0" u="none" strike="noStrike" kern="0" cap="none" spc="0" normalizeH="0" baseline="0" noProof="0" dirty="0">
+            <a:endParaRPr kumimoji="0" sz="1700" b="0" i="0" u="none" strike="noStrike" kern="0" cap="none" spc="0" normalizeH="0" baseline="0" noProof="0">
               <a:ln>
                 <a:noFill/>
               </a:ln>
               <a:solidFill>
-                <a:srgbClr val="FFFFFF"/>
+                <a:srgbClr val="000000"/>
               </a:solidFill>
               <a:effectLst/>
               <a:uLnTx/>
               <a:uFillTx/>
-              <a:latin typeface="Helvetica Neue"/>
-              <a:ea typeface="Helvetica Neue"/>
-              <a:cs typeface="Helvetica Neue"/>
-              <a:sym typeface="Helvetica Neue"/>
-            </a:endParaRPr>
-          </a:p>
-          <a:p>
-            <a:pPr marL="285750" marR="0" lvl="0" indent="-171450" algn="l" defTabSz="914400" rtl="0" eaLnBrk="1" fontAlgn="auto" latinLnBrk="0" hangingPunct="1">
-              <a:lnSpc>
-                <a:spcPct val="300000"/>
-              </a:lnSpc>
-              <a:spcBef>
-                <a:spcPts val="0"/>
-              </a:spcBef>
-              <a:spcAft>
-                <a:spcPts val="0"/>
-              </a:spcAft>
-              <a:buClr>
-                <a:srgbClr val="000000"/>
-              </a:buClr>
-              <a:buSzPts val="1800"/>
-              <a:buFont typeface="Arial"/>
-              <a:buNone/>
-              <a:tabLst/>
-              <a:defRPr/>
-            </a:pPr>
-            <a:endParaRPr kumimoji="0" sz="1800" b="0" i="0" u="none" strike="noStrike" kern="0" cap="none" spc="0" normalizeH="0" baseline="0" noProof="0" dirty="0">
-              <a:ln>
-                <a:noFill/>
-              </a:ln>
-              <a:solidFill>
-                <a:srgbClr val="FFFFFF"/>
-              </a:solidFill>
-              <a:effectLst/>
-              <a:uLnTx/>
-              <a:uFillTx/>
-              <a:latin typeface="Century Gothic"/>
-              <a:ea typeface="Century Gothic"/>
-              <a:cs typeface="Century Gothic"/>
-              <a:sym typeface="Century Gothic"/>
+              <a:latin typeface="Arial"/>
+              <a:cs typeface="Arial"/>
+              <a:sym typeface="Arial"/>
             </a:endParaRPr>
           </a:p>
         </p:txBody>
@@ -41295,7 +41791,7 @@
 </p:sld>
 </file>
 
-<file path=ppt/slides/slide7.xml><?xml version="1.0" encoding="utf-8"?>
+<file path=ppt/slides/slide8.xml><?xml version="1.0" encoding="utf-8"?>
 <p:sld xmlns:a="http://schemas.openxmlformats.org/drawingml/2006/main" xmlns:r="http://schemas.openxmlformats.org/officeDocument/2006/relationships" xmlns:p="http://schemas.openxmlformats.org/presentationml/2006/main">
   <p:cSld>
     <p:spTree>
@@ -41661,7 +42157,7 @@
 </p:sld>
 </file>
 
-<file path=ppt/slides/slide8.xml><?xml version="1.0" encoding="utf-8"?>
+<file path=ppt/slides/slide9.xml><?xml version="1.0" encoding="utf-8"?>
 <p:sld xmlns:a="http://schemas.openxmlformats.org/drawingml/2006/main" xmlns:r="http://schemas.openxmlformats.org/officeDocument/2006/relationships" xmlns:p="http://schemas.openxmlformats.org/presentationml/2006/main">
   <p:cSld>
     <p:spTree>
@@ -41982,229 +42478,6 @@
     <p:extLst>
       <p:ext uri="{BB962C8B-B14F-4D97-AF65-F5344CB8AC3E}">
         <p14:creationId xmlns:p14="http://schemas.microsoft.com/office/powerpoint/2010/main" val="172696331"/>
-      </p:ext>
-    </p:extLst>
-  </p:cSld>
-  <p:clrMapOvr>
-    <a:masterClrMapping/>
-  </p:clrMapOvr>
-</p:sld>
-</file>
-
-<file path=ppt/slides/slide9.xml><?xml version="1.0" encoding="utf-8"?>
-<p:sld xmlns:a="http://schemas.openxmlformats.org/drawingml/2006/main" xmlns:r="http://schemas.openxmlformats.org/officeDocument/2006/relationships" xmlns:p="http://schemas.openxmlformats.org/presentationml/2006/main">
-  <p:cSld>
-    <p:spTree>
-      <p:nvGrpSpPr>
-        <p:cNvPr id="1" name=""/>
-        <p:cNvGrpSpPr/>
-        <p:nvPr/>
-      </p:nvGrpSpPr>
-      <p:grpSpPr>
-        <a:xfrm>
-          <a:off x="0" y="0"/>
-          <a:ext cx="0" cy="0"/>
-          <a:chOff x="0" y="0"/>
-          <a:chExt cx="0" cy="0"/>
-        </a:xfrm>
-      </p:grpSpPr>
-      <p:pic>
-        <p:nvPicPr>
-          <p:cNvPr id="5" name="Picture 4" descr="Chart, bar chart&#10;&#10;Description automatically generated">
-            <a:extLst>
-              <a:ext uri="{FF2B5EF4-FFF2-40B4-BE49-F238E27FC236}">
-                <a16:creationId xmlns:a16="http://schemas.microsoft.com/office/drawing/2014/main" id="{56ED008E-FEE1-8504-EBF1-B1BFAB45DF89}"/>
-              </a:ext>
-            </a:extLst>
-          </p:cNvPr>
-          <p:cNvPicPr>
-            <a:picLocks noChangeAspect="1"/>
-          </p:cNvPicPr>
-          <p:nvPr/>
-        </p:nvPicPr>
-        <p:blipFill>
-          <a:blip r:embed="rId2"/>
-          <a:stretch>
-            <a:fillRect/>
-          </a:stretch>
-        </p:blipFill>
-        <p:spPr>
-          <a:xfrm>
-            <a:off x="424280" y="127986"/>
-            <a:ext cx="5409592" cy="6479805"/>
-          </a:xfrm>
-          <a:prstGeom prst="rect">
-            <a:avLst/>
-          </a:prstGeom>
-        </p:spPr>
-      </p:pic>
-      <p:sp>
-        <p:nvSpPr>
-          <p:cNvPr id="7" name="TextBox 6">
-            <a:extLst>
-              <a:ext uri="{FF2B5EF4-FFF2-40B4-BE49-F238E27FC236}">
-                <a16:creationId xmlns:a16="http://schemas.microsoft.com/office/drawing/2014/main" id="{C08BE3C3-4245-42BD-201B-6E58523F7BC6}"/>
-              </a:ext>
-            </a:extLst>
-          </p:cNvPr>
-          <p:cNvSpPr txBox="1"/>
-          <p:nvPr/>
-        </p:nvSpPr>
-        <p:spPr>
-          <a:xfrm>
-            <a:off x="4112927" y="6392347"/>
-            <a:ext cx="3049555" cy="430887"/>
-          </a:xfrm>
-          <a:prstGeom prst="rect">
-            <a:avLst/>
-          </a:prstGeom>
-          <a:noFill/>
-        </p:spPr>
-        <p:txBody>
-          <a:bodyPr wrap="square">
-            <a:spAutoFit/>
-          </a:bodyPr>
-          <a:lstStyle/>
-          <a:p>
-            <a:pPr marL="0" marR="0" lvl="0" indent="0" algn="l" defTabSz="457200" rtl="0" eaLnBrk="1" fontAlgn="auto" latinLnBrk="0" hangingPunct="1">
-              <a:lnSpc>
-                <a:spcPct val="100000"/>
-              </a:lnSpc>
-              <a:spcBef>
-                <a:spcPts val="0"/>
-              </a:spcBef>
-              <a:spcAft>
-                <a:spcPts val="0"/>
-              </a:spcAft>
-              <a:buClrTx/>
-              <a:buSzTx/>
-              <a:buFontTx/>
-              <a:buNone/>
-              <a:tabLst/>
-              <a:defRPr/>
-            </a:pPr>
-            <a:r>
-              <a:rPr kumimoji="0" lang="en-US" sz="1100" b="0" i="0" u="none" strike="noStrike" kern="1200" cap="none" spc="0" normalizeH="0" baseline="0" noProof="0" dirty="0">
-                <a:ln>
-                  <a:noFill/>
-                </a:ln>
-                <a:solidFill>
-                  <a:prstClr val="black"/>
-                </a:solidFill>
-                <a:effectLst/>
-                <a:uLnTx/>
-                <a:uFillTx/>
-                <a:latin typeface="Century Gothic" panose="020B0502020202020204"/>
-                <a:ea typeface="+mn-ea"/>
-                <a:cs typeface="+mn-cs"/>
-              </a:rPr>
-              <a:t>*number is reduced to ensure a graph that fits on a screen and is still legible</a:t>
-            </a:r>
-          </a:p>
-        </p:txBody>
-      </p:sp>
-      <p:sp>
-        <p:nvSpPr>
-          <p:cNvPr id="9" name="TextBox 8">
-            <a:extLst>
-              <a:ext uri="{FF2B5EF4-FFF2-40B4-BE49-F238E27FC236}">
-                <a16:creationId xmlns:a16="http://schemas.microsoft.com/office/drawing/2014/main" id="{BF9422E9-4993-1558-B328-B1753217A9B0}"/>
-              </a:ext>
-            </a:extLst>
-          </p:cNvPr>
-          <p:cNvSpPr txBox="1"/>
-          <p:nvPr/>
-        </p:nvSpPr>
-        <p:spPr>
-          <a:xfrm>
-            <a:off x="6096000" y="1525006"/>
-            <a:ext cx="4959748" cy="3908762"/>
-          </a:xfrm>
-          <a:prstGeom prst="rect">
-            <a:avLst/>
-          </a:prstGeom>
-          <a:noFill/>
-        </p:spPr>
-        <p:txBody>
-          <a:bodyPr wrap="square" rtlCol="0">
-            <a:spAutoFit/>
-          </a:bodyPr>
-          <a:lstStyle/>
-          <a:p>
-            <a:pPr marL="285750" marR="0" lvl="0" indent="-285750" algn="l" defTabSz="457200" rtl="0" eaLnBrk="1" fontAlgn="auto" latinLnBrk="0" hangingPunct="1">
-              <a:lnSpc>
-                <a:spcPct val="100000"/>
-              </a:lnSpc>
-              <a:spcBef>
-                <a:spcPts val="0"/>
-              </a:spcBef>
-              <a:spcAft>
-                <a:spcPts val="0"/>
-              </a:spcAft>
-              <a:buClrTx/>
-              <a:buSzTx/>
-              <a:buFont typeface="Arial" panose="020B0604020202020204" pitchFamily="34" charset="0"/>
-              <a:buChar char="•"/>
-              <a:tabLst/>
-              <a:defRPr/>
-            </a:pPr>
-            <a:r>
-              <a:rPr kumimoji="0" lang="en-US" sz="2800" b="0" i="0" u="none" strike="noStrike" kern="1200" cap="none" spc="0" normalizeH="0" baseline="0" noProof="0" dirty="0">
-                <a:ln>
-                  <a:noFill/>
-                </a:ln>
-                <a:solidFill>
-                  <a:prstClr val="white"/>
-                </a:solidFill>
-                <a:effectLst/>
-                <a:uLnTx/>
-                <a:uFillTx/>
-                <a:latin typeface="Century Gothic" panose="020B0502020202020204"/>
-                <a:ea typeface="+mn-ea"/>
-                <a:cs typeface="+mn-cs"/>
-              </a:rPr>
-              <a:t>For the men reported in this data set, there were just over 5.6 million cigarette smokers, 3.6 million smokeless tobacco users, and 1.6 million e-cigarette smokers.</a:t>
-            </a:r>
-          </a:p>
-          <a:p>
-            <a:pPr marL="0" marR="0" lvl="0" indent="0" algn="l" defTabSz="457200" rtl="0" eaLnBrk="1" fontAlgn="auto" latinLnBrk="0" hangingPunct="1">
-              <a:lnSpc>
-                <a:spcPct val="100000"/>
-              </a:lnSpc>
-              <a:spcBef>
-                <a:spcPts val="0"/>
-              </a:spcBef>
-              <a:spcAft>
-                <a:spcPts val="0"/>
-              </a:spcAft>
-              <a:buClrTx/>
-              <a:buSzTx/>
-              <a:buFontTx/>
-              <a:buNone/>
-              <a:tabLst/>
-              <a:defRPr/>
-            </a:pPr>
-            <a:endParaRPr kumimoji="0" lang="en-US" sz="2400" b="0" i="0" u="none" strike="noStrike" kern="1200" cap="none" spc="0" normalizeH="0" baseline="0" noProof="0" dirty="0">
-              <a:ln>
-                <a:noFill/>
-              </a:ln>
-              <a:solidFill>
-                <a:prstClr val="white"/>
-              </a:solidFill>
-              <a:effectLst/>
-              <a:uLnTx/>
-              <a:uFillTx/>
-              <a:latin typeface="Century Gothic" panose="020B0502020202020204"/>
-              <a:ea typeface="+mn-ea"/>
-              <a:cs typeface="+mn-cs"/>
-            </a:endParaRPr>
-          </a:p>
-        </p:txBody>
-      </p:sp>
-    </p:spTree>
-    <p:extLst>
-      <p:ext uri="{BB962C8B-B14F-4D97-AF65-F5344CB8AC3E}">
-        <p14:creationId xmlns:p14="http://schemas.microsoft.com/office/powerpoint/2010/main" val="2871259280"/>
       </p:ext>
     </p:extLst>
   </p:cSld>
